--- a/draft-gandhi-spring-rfc6374-srpm-udp-2.pptx
+++ b/draft-gandhi-spring-rfc6374-srpm-udp-2.pptx
@@ -15,8 +15,8 @@
     <p:sldId id="299" r:id="rId3"/>
     <p:sldId id="315" r:id="rId4"/>
     <p:sldId id="316" r:id="rId5"/>
-    <p:sldId id="310" r:id="rId6"/>
-    <p:sldId id="318" r:id="rId7"/>
+    <p:sldId id="318" r:id="rId6"/>
+    <p:sldId id="310" r:id="rId7"/>
     <p:sldId id="303" r:id="rId8"/>
   </p:sldIdLst>
   <p:sldSz cx="9144000" cy="5143500" type="screen16x9"/>
@@ -1217,7 +1217,7 @@
     </p:spTree>
     <p:extLst>
       <p:ext uri="{BB962C8B-B14F-4D97-AF65-F5344CB8AC3E}">
-        <p14:creationId xmlns:p14="http://schemas.microsoft.com/office/powerpoint/2010/main" val="1233696596"/>
+        <p14:creationId xmlns:p14="http://schemas.microsoft.com/office/powerpoint/2010/main" val="100654611"/>
       </p:ext>
     </p:extLst>
   </p:cSld>
@@ -1307,7 +1307,7 @@
     </p:spTree>
     <p:extLst>
       <p:ext uri="{BB962C8B-B14F-4D97-AF65-F5344CB8AC3E}">
-        <p14:creationId xmlns:p14="http://schemas.microsoft.com/office/powerpoint/2010/main" val="100654611"/>
+        <p14:creationId xmlns:p14="http://schemas.microsoft.com/office/powerpoint/2010/main" val="1233696596"/>
       </p:ext>
     </p:extLst>
   </p:cSld>
@@ -5693,7 +5693,7 @@
               <a:buNone/>
             </a:pPr>
             <a:r>
-              <a:rPr lang="en-US" sz="1800" dirty="0"/>
+              <a:rPr lang="en-US" sz="1600" dirty="0"/>
               <a:t>Updates:</a:t>
             </a:r>
           </a:p>
@@ -5712,7 +5712,7 @@
               <a:buChar char="§"/>
             </a:pPr>
             <a:r>
-              <a:rPr lang="en-CA" sz="1800" dirty="0"/>
+              <a:rPr lang="en-CA" sz="1600" dirty="0"/>
               <a:t>Add loopback measurement mode</a:t>
             </a:r>
           </a:p>
@@ -5731,8 +5731,8 @@
               <a:buChar char="§"/>
             </a:pPr>
             <a:r>
-              <a:rPr lang="en-CA" sz="1800" dirty="0"/>
-              <a:t>Add checksum complement</a:t>
+              <a:rPr lang="en-CA" sz="1600" dirty="0"/>
+              <a:t>Elaborate on processing rules (e.g. TTL, Checksum complement and Router Alert)</a:t>
             </a:r>
           </a:p>
           <a:p>
@@ -5750,8 +5750,8 @@
               <a:buChar char="§"/>
             </a:pPr>
             <a:r>
-              <a:rPr lang="en-CA" sz="1800" dirty="0"/>
-              <a:t>Add Path Segment ID in Figure 3</a:t>
+              <a:rPr lang="en-CA" sz="1600" dirty="0"/>
+              <a:t>Show Path Segment ID in Figure 3</a:t>
             </a:r>
           </a:p>
           <a:p>
@@ -5769,7 +5769,7 @@
               <a:buChar char="§"/>
             </a:pPr>
             <a:r>
-              <a:rPr lang="en-CA" sz="1800" dirty="0"/>
+              <a:rPr lang="en-CA" sz="1600" dirty="0"/>
               <a:t>Add details for P2MP SR Policy</a:t>
             </a:r>
           </a:p>
@@ -5788,8 +5788,27 @@
               <a:buChar char="§"/>
             </a:pPr>
             <a:r>
-              <a:rPr lang="en-CA" sz="1800" dirty="0"/>
+              <a:rPr lang="en-CA" sz="1600" dirty="0"/>
               <a:t>Move SR-MPLS Return Path TLV and Block Number TLV to SR-MPLS draft</a:t>
+            </a:r>
+          </a:p>
+          <a:p>
+            <a:pPr lvl="2">
+              <a:lnSpc>
+                <a:spcPts val="2020"/>
+              </a:lnSpc>
+              <a:spcBef>
+                <a:spcPts val="0"/>
+              </a:spcBef>
+              <a:spcAft>
+                <a:spcPts val="600"/>
+              </a:spcAft>
+              <a:buFont typeface="Wingdings" pitchFamily="2" charset="2"/>
+              <a:buChar char="§"/>
+            </a:pPr>
+            <a:r>
+              <a:rPr lang="en-CA" sz="1600" dirty="0"/>
+              <a:t>Were not related to UDP path, belong to the base MPLS draft</a:t>
             </a:r>
           </a:p>
           <a:p>
@@ -5807,7 +5826,7 @@
               <a:buChar char="§"/>
             </a:pPr>
             <a:r>
-              <a:rPr lang="en-US" sz="1800" dirty="0"/>
+              <a:rPr lang="en-US" sz="1600" dirty="0"/>
               <a:t>Various editorial changes to address review comments</a:t>
             </a:r>
           </a:p>
@@ -5826,11 +5845,11 @@
               <a:buChar char="§"/>
             </a:pPr>
             <a:r>
-              <a:rPr lang="en-US" sz="1800" dirty="0"/>
+              <a:rPr lang="en-US" sz="1600" dirty="0"/>
               <a:t>Move away from term “in-band probes” with </a:t>
             </a:r>
             <a:r>
-              <a:rPr lang="en-CA" sz="1800" dirty="0"/>
+              <a:rPr lang="en-CA" sz="1600" dirty="0"/>
               <a:t>“probes sent on congruent path with data traffic”</a:t>
             </a:r>
           </a:p>
@@ -5848,7 +5867,7 @@
               <a:buNone/>
             </a:pPr>
             <a:r>
-              <a:rPr lang="en-CA" sz="1800" dirty="0"/>
+              <a:rPr lang="en-CA" sz="1600" dirty="0"/>
               <a:t>Open Items:</a:t>
             </a:r>
           </a:p>
@@ -5867,7 +5886,7 @@
               <a:buChar char="§"/>
             </a:pPr>
             <a:r>
-              <a:rPr lang="en-US" sz="1800" dirty="0"/>
+              <a:rPr lang="en-US" sz="1600" dirty="0"/>
               <a:t>None</a:t>
             </a:r>
           </a:p>
@@ -5998,7 +6017,7 @@
                 <a:latin typeface="Calibri Light" panose="020F0302020204030204" pitchFamily="34" charset="0"/>
                 <a:cs typeface="Calibri Light" panose="020F0302020204030204" pitchFamily="34" charset="0"/>
               </a:rPr>
-              <a:t>Next Steps</a:t>
+              <a:t>History of the Draft</a:t>
             </a:r>
           </a:p>
         </p:txBody>
@@ -6015,52 +6034,93 @@
         </p:nvSpPr>
         <p:spPr>
           <a:xfrm>
-            <a:off x="762000" y="971550"/>
-            <a:ext cx="7620000" cy="2476500"/>
+            <a:off x="480391" y="959343"/>
+            <a:ext cx="8229600" cy="3619500"/>
           </a:xfrm>
         </p:spPr>
         <p:txBody>
           <a:bodyPr/>
           <a:lstStyle/>
           <a:p>
-            <a:pPr lvl="0"/>
-            <a:r>
-              <a:rPr lang="en-US" sz="2400" dirty="0">
-                <a:latin typeface="Calibri" charset="0"/>
-                <a:ea typeface="Calibri" charset="0"/>
-                <a:cs typeface="Calibri" charset="0"/>
-              </a:rPr>
-              <a:t>Welcome your comments and suggestions</a:t>
-            </a:r>
-          </a:p>
-          <a:p>
-            <a:pPr lvl="0"/>
-            <a:r>
-              <a:rPr lang="en-US" sz="2400" dirty="0">
-                <a:latin typeface="Calibri" charset="0"/>
-                <a:ea typeface="Calibri" charset="0"/>
-                <a:cs typeface="Calibri" charset="0"/>
-              </a:rPr>
-              <a:t>Multiple implementations of RFC 6374 already exist </a:t>
-            </a:r>
-          </a:p>
-          <a:p>
-            <a:pPr lvl="0"/>
-            <a:r>
-              <a:rPr lang="en-US" sz="2400" dirty="0">
-                <a:latin typeface="Calibri" charset="0"/>
-                <a:ea typeface="Calibri" charset="0"/>
-                <a:cs typeface="Calibri" charset="0"/>
-              </a:rPr>
-              <a:t>Like to request for WG adoption </a:t>
-            </a:r>
-          </a:p>
-          <a:p>
-            <a:endParaRPr lang="en-US" sz="2400" dirty="0">
-              <a:latin typeface="Calibri" charset="0"/>
-              <a:ea typeface="Calibri" charset="0"/>
-              <a:cs typeface="Calibri" charset="0"/>
-            </a:endParaRPr>
+            <a:r>
+              <a:rPr lang="en-US" sz="1800" dirty="0"/>
+              <a:t>Mar, 2018</a:t>
+            </a:r>
+          </a:p>
+          <a:p>
+            <a:pPr lvl="1"/>
+            <a:r>
+              <a:rPr lang="en-US" sz="1800" dirty="0"/>
+              <a:t>Draft was published </a:t>
+            </a:r>
+            <a:r>
+              <a:rPr lang="en-CA" sz="1800" dirty="0"/>
+              <a:t>draft-</a:t>
+            </a:r>
+            <a:r>
+              <a:rPr lang="en-CA" sz="1800" dirty="0" err="1"/>
+              <a:t>gandhi</a:t>
+            </a:r>
+            <a:r>
+              <a:rPr lang="en-CA" sz="1800" dirty="0"/>
+              <a:t>-spring-</a:t>
+            </a:r>
+            <a:r>
+              <a:rPr lang="en-CA" sz="1800" dirty="0" err="1"/>
+              <a:t>udp</a:t>
+            </a:r>
+            <a:r>
+              <a:rPr lang="en-CA" sz="1800" dirty="0"/>
+              <a:t>-pm</a:t>
+            </a:r>
+            <a:endParaRPr lang="en-US" sz="1800" dirty="0"/>
+          </a:p>
+          <a:p>
+            <a:r>
+              <a:rPr lang="en-US" sz="1800" dirty="0"/>
+              <a:t>Nov 2018</a:t>
+            </a:r>
+          </a:p>
+          <a:p>
+            <a:pPr lvl="1"/>
+            <a:r>
+              <a:rPr lang="en-US" sz="1800" dirty="0"/>
+              <a:t>Presented at IETF 103 Bangkok in SPRING and IPPM WGs</a:t>
+            </a:r>
+          </a:p>
+          <a:p>
+            <a:r>
+              <a:rPr lang="en-US" sz="1800" dirty="0"/>
+              <a:t>Feb 14, 2019</a:t>
+            </a:r>
+          </a:p>
+          <a:p>
+            <a:pPr lvl="1"/>
+            <a:r>
+              <a:rPr lang="en-US" sz="1800" dirty="0"/>
+              <a:t>Draft was renamed to </a:t>
+            </a:r>
+            <a:r>
+              <a:rPr lang="en-CA" sz="1800" dirty="0"/>
+              <a:t>draft-gandhi-spring-rfc6374-srpm-udp</a:t>
+            </a:r>
+            <a:endParaRPr lang="en-US" sz="1800" dirty="0"/>
+          </a:p>
+          <a:p>
+            <a:r>
+              <a:rPr lang="en-US" sz="1800" dirty="0"/>
+              <a:t>Mar 2019</a:t>
+            </a:r>
+          </a:p>
+          <a:p>
+            <a:pPr lvl="1"/>
+            <a:r>
+              <a:rPr lang="en-US" sz="1800" dirty="0"/>
+              <a:t>Presented at IETF 104 Prague in SPRING WG</a:t>
+            </a:r>
+          </a:p>
+          <a:p>
+            <a:endParaRPr lang="en-US" sz="1800" dirty="0"/>
           </a:p>
         </p:txBody>
       </p:sp>
@@ -6134,7 +6194,7 @@
     </p:spTree>
     <p:extLst>
       <p:ext uri="{BB962C8B-B14F-4D97-AF65-F5344CB8AC3E}">
-        <p14:creationId xmlns:p14="http://schemas.microsoft.com/office/powerpoint/2010/main" val="2041213705"/>
+        <p14:creationId xmlns:p14="http://schemas.microsoft.com/office/powerpoint/2010/main" val="2757646588"/>
       </p:ext>
     </p:extLst>
   </p:cSld>
@@ -6189,7 +6249,7 @@
                 <a:latin typeface="Calibri Light" panose="020F0302020204030204" pitchFamily="34" charset="0"/>
                 <a:cs typeface="Calibri Light" panose="020F0302020204030204" pitchFamily="34" charset="0"/>
               </a:rPr>
-              <a:t>History of the Draft</a:t>
+              <a:t>Next Steps</a:t>
             </a:r>
           </a:p>
         </p:txBody>
@@ -6206,119 +6266,52 @@
         </p:nvSpPr>
         <p:spPr>
           <a:xfrm>
-            <a:off x="480391" y="959343"/>
-            <a:ext cx="8229600" cy="3619500"/>
+            <a:off x="762000" y="971550"/>
+            <a:ext cx="7620000" cy="2476500"/>
           </a:xfrm>
         </p:spPr>
         <p:txBody>
           <a:bodyPr/>
           <a:lstStyle/>
           <a:p>
-            <a:r>
-              <a:rPr lang="en-US" sz="1800" dirty="0"/>
-              <a:t>Mar, 2018</a:t>
-            </a:r>
-          </a:p>
-          <a:p>
-            <a:pPr lvl="1"/>
-            <a:r>
-              <a:rPr lang="en-US" sz="1800" dirty="0"/>
-              <a:t>Draft was published </a:t>
-            </a:r>
-            <a:r>
-              <a:rPr lang="en-CA" sz="1800" dirty="0"/>
-              <a:t>draft-</a:t>
-            </a:r>
-            <a:r>
-              <a:rPr lang="en-CA" sz="1800" dirty="0" err="1"/>
-              <a:t>gandhi</a:t>
-            </a:r>
-            <a:r>
-              <a:rPr lang="en-CA" sz="1800" dirty="0"/>
-              <a:t>-spring-</a:t>
-            </a:r>
-            <a:r>
-              <a:rPr lang="en-CA" sz="1800" dirty="0" err="1"/>
-              <a:t>udp</a:t>
-            </a:r>
-            <a:r>
-              <a:rPr lang="en-CA" sz="1800" dirty="0"/>
-              <a:t>-pm</a:t>
-            </a:r>
-            <a:endParaRPr lang="en-US" sz="1800" dirty="0"/>
-          </a:p>
-          <a:p>
-            <a:r>
-              <a:rPr lang="en-US" sz="1800" dirty="0"/>
-              <a:t>Nov 2018</a:t>
-            </a:r>
-          </a:p>
-          <a:p>
-            <a:pPr lvl="1"/>
-            <a:r>
-              <a:rPr lang="en-US" sz="1800" dirty="0"/>
-              <a:t>Presented at IETF 103 Bangkok in SPRING and IPPM WGs</a:t>
-            </a:r>
-          </a:p>
-          <a:p>
-            <a:r>
-              <a:rPr lang="en-US" sz="1800" dirty="0"/>
-              <a:t>Feb 14, 2019</a:t>
-            </a:r>
-          </a:p>
-          <a:p>
-            <a:pPr lvl="1"/>
-            <a:r>
-              <a:rPr lang="en-US" sz="1800" dirty="0"/>
-              <a:t>Draft was renamed to </a:t>
-            </a:r>
-            <a:r>
-              <a:rPr lang="en-CA" sz="1800" dirty="0"/>
-              <a:t>draft-gandhi-spring-rfc6374-srpm-udp</a:t>
-            </a:r>
-            <a:endParaRPr lang="en-US" sz="1800" dirty="0"/>
-          </a:p>
-          <a:p>
-            <a:r>
-              <a:rPr lang="en-US" sz="1800" dirty="0"/>
-              <a:t>Mar 2019</a:t>
-            </a:r>
-          </a:p>
-          <a:p>
-            <a:pPr lvl="1"/>
-            <a:r>
-              <a:rPr lang="en-US" sz="1800" dirty="0"/>
-              <a:t>Presented at IETF 104 Prague in SPRING WG</a:t>
-            </a:r>
-          </a:p>
-          <a:p>
-            <a:r>
-              <a:rPr lang="en-US" sz="1800" dirty="0"/>
-              <a:t>Feb 14, 2020</a:t>
-            </a:r>
-          </a:p>
-          <a:p>
-            <a:pPr lvl="1"/>
-            <a:r>
-              <a:rPr lang="en-US" sz="1800" dirty="0"/>
-              <a:t>WG document - </a:t>
-            </a:r>
-            <a:r>
-              <a:rPr lang="en-CA" sz="1800" dirty="0"/>
-              <a:t>draft-</a:t>
-            </a:r>
-            <a:r>
-              <a:rPr lang="en-CA" sz="1800" b="1" dirty="0"/>
-              <a:t>ietf</a:t>
-            </a:r>
-            <a:r>
-              <a:rPr lang="en-CA" sz="1800" dirty="0"/>
-              <a:t>-spring-rfc6374-srpm-mpls ?</a:t>
-            </a:r>
-            <a:endParaRPr lang="en-US" sz="1800" dirty="0"/>
-          </a:p>
-          <a:p>
-            <a:endParaRPr lang="en-US" sz="1800" dirty="0"/>
+            <a:pPr lvl="0"/>
+            <a:r>
+              <a:rPr lang="en-US" sz="2400" dirty="0">
+                <a:latin typeface="Calibri" charset="0"/>
+                <a:ea typeface="Calibri" charset="0"/>
+                <a:cs typeface="Calibri" charset="0"/>
+              </a:rPr>
+              <a:t>Welcome your comments and suggestions</a:t>
+            </a:r>
+          </a:p>
+          <a:p>
+            <a:pPr lvl="0"/>
+            <a:r>
+              <a:rPr lang="en-US" sz="2400" dirty="0">
+                <a:latin typeface="Calibri" charset="0"/>
+                <a:ea typeface="Calibri" charset="0"/>
+                <a:cs typeface="Calibri" charset="0"/>
+              </a:rPr>
+              <a:t>Multiple implementations of RFC 6374 already exist </a:t>
+            </a:r>
+          </a:p>
+          <a:p>
+            <a:pPr lvl="0"/>
+            <a:r>
+              <a:rPr lang="en-US" sz="2400" dirty="0">
+                <a:latin typeface="Calibri" charset="0"/>
+                <a:ea typeface="Calibri" charset="0"/>
+                <a:cs typeface="Calibri" charset="0"/>
+              </a:rPr>
+              <a:t>Like to request for WG adoption </a:t>
+            </a:r>
+          </a:p>
+          <a:p>
+            <a:endParaRPr lang="en-US" sz="2400" dirty="0">
+              <a:latin typeface="Calibri" charset="0"/>
+              <a:ea typeface="Calibri" charset="0"/>
+              <a:cs typeface="Calibri" charset="0"/>
+            </a:endParaRPr>
           </a:p>
         </p:txBody>
       </p:sp>
@@ -6392,7 +6385,7 @@
     </p:spTree>
     <p:extLst>
       <p:ext uri="{BB962C8B-B14F-4D97-AF65-F5344CB8AC3E}">
-        <p14:creationId xmlns:p14="http://schemas.microsoft.com/office/powerpoint/2010/main" val="2757646588"/>
+        <p14:creationId xmlns:p14="http://schemas.microsoft.com/office/powerpoint/2010/main" val="2041213705"/>
       </p:ext>
     </p:extLst>
   </p:cSld>
